--- a/01_FoundationProjects/CFL10_Simplex_Wireless_LoRa/CFL10_Simplex_Wireless_LoRa.pptx
+++ b/01_FoundationProjects/CFL10_Simplex_Wireless_LoRa/CFL10_Simplex_Wireless_LoRa.pptx
@@ -5589,6 +5589,42 @@
           </a:p>
         </p:txBody>
       </p:sp>
+      <p:pic>
+        <p:nvPicPr>
+          <p:cNvPr id="7" name="Picture 6">
+            <a:extLst>
+              <a:ext uri="{FF2B5EF4-FFF2-40B4-BE49-F238E27FC236}">
+                <a16:creationId xmlns:a16="http://schemas.microsoft.com/office/drawing/2014/main" id="{80F547E6-4CC2-C8E4-95E3-994968173B1D}"/>
+              </a:ext>
+            </a:extLst>
+          </p:cNvPr>
+          <p:cNvPicPr>
+            <a:picLocks noChangeAspect="1"/>
+          </p:cNvPicPr>
+          <p:nvPr/>
+        </p:nvPicPr>
+        <p:blipFill>
+          <a:blip r:embed="rId4" cstate="print">
+            <a:extLst>
+              <a:ext uri="{28A0092B-C50C-407E-A947-70E740481C1C}">
+                <a14:useLocalDpi xmlns:a14="http://schemas.microsoft.com/office/drawing/2010/main" val="0"/>
+              </a:ext>
+            </a:extLst>
+          </a:blip>
+          <a:stretch>
+            <a:fillRect/>
+          </a:stretch>
+        </p:blipFill>
+        <p:spPr>
+          <a:xfrm>
+            <a:off x="9004852" y="1"/>
+            <a:ext cx="3125372" cy="842386"/>
+          </a:xfrm>
+          <a:prstGeom prst="rect">
+            <a:avLst/>
+          </a:prstGeom>
+        </p:spPr>
+      </p:pic>
     </p:spTree>
   </p:cSld>
   <p:clrMapOvr>
@@ -6216,6 +6252,66 @@
           </a:prstGeom>
         </p:spPr>
       </p:pic>
+      <p:pic>
+        <p:nvPicPr>
+          <p:cNvPr id="12" name="Picture 11">
+            <a:extLst>
+              <a:ext uri="{FF2B5EF4-FFF2-40B4-BE49-F238E27FC236}">
+                <a16:creationId xmlns:a16="http://schemas.microsoft.com/office/drawing/2014/main" id="{543C0D8C-AE8A-CC8C-BE35-77D86E409CAA}"/>
+              </a:ext>
+            </a:extLst>
+          </p:cNvPr>
+          <p:cNvPicPr>
+            <a:picLocks noChangeAspect="1"/>
+          </p:cNvPicPr>
+          <p:nvPr/>
+        </p:nvPicPr>
+        <p:blipFill>
+          <a:blip r:embed="rId6"/>
+          <a:stretch>
+            <a:fillRect/>
+          </a:stretch>
+        </p:blipFill>
+        <p:spPr>
+          <a:xfrm>
+            <a:off x="61777" y="4658003"/>
+            <a:ext cx="1564393" cy="1278398"/>
+          </a:xfrm>
+          <a:prstGeom prst="rect">
+            <a:avLst/>
+          </a:prstGeom>
+        </p:spPr>
+      </p:pic>
+      <p:pic>
+        <p:nvPicPr>
+          <p:cNvPr id="20" name="Picture 19">
+            <a:extLst>
+              <a:ext uri="{FF2B5EF4-FFF2-40B4-BE49-F238E27FC236}">
+                <a16:creationId xmlns:a16="http://schemas.microsoft.com/office/drawing/2014/main" id="{727E1225-8F27-29AE-259D-6057E4A8548F}"/>
+              </a:ext>
+            </a:extLst>
+          </p:cNvPr>
+          <p:cNvPicPr>
+            <a:picLocks noChangeAspect="1"/>
+          </p:cNvPicPr>
+          <p:nvPr/>
+        </p:nvPicPr>
+        <p:blipFill>
+          <a:blip r:embed="rId7"/>
+          <a:stretch>
+            <a:fillRect/>
+          </a:stretch>
+        </p:blipFill>
+        <p:spPr>
+          <a:xfrm>
+            <a:off x="4309105" y="1976848"/>
+            <a:ext cx="1805599" cy="1252865"/>
+          </a:xfrm>
+          <a:prstGeom prst="rect">
+            <a:avLst/>
+          </a:prstGeom>
+        </p:spPr>
+      </p:pic>
     </p:spTree>
     <p:extLst>
       <p:ext uri="{BB962C8B-B14F-4D97-AF65-F5344CB8AC3E}">
@@ -6425,6 +6521,42 @@
           <a:xfrm>
             <a:off x="1848465" y="1843088"/>
             <a:ext cx="8495070" cy="4778477"/>
+          </a:xfrm>
+          <a:prstGeom prst="rect">
+            <a:avLst/>
+          </a:prstGeom>
+        </p:spPr>
+      </p:pic>
+      <p:pic>
+        <p:nvPicPr>
+          <p:cNvPr id="2" name="Picture 1">
+            <a:extLst>
+              <a:ext uri="{FF2B5EF4-FFF2-40B4-BE49-F238E27FC236}">
+                <a16:creationId xmlns:a16="http://schemas.microsoft.com/office/drawing/2014/main" id="{20C0CF5F-26E2-1DF8-DF61-423896CAA596}"/>
+              </a:ext>
+            </a:extLst>
+          </p:cNvPr>
+          <p:cNvPicPr>
+            <a:picLocks noChangeAspect="1"/>
+          </p:cNvPicPr>
+          <p:nvPr/>
+        </p:nvPicPr>
+        <p:blipFill>
+          <a:blip r:embed="rId3" cstate="print">
+            <a:extLst>
+              <a:ext uri="{28A0092B-C50C-407E-A947-70E740481C1C}">
+                <a14:useLocalDpi xmlns:a14="http://schemas.microsoft.com/office/drawing/2010/main" val="0"/>
+              </a:ext>
+            </a:extLst>
+          </a:blip>
+          <a:stretch>
+            <a:fillRect/>
+          </a:stretch>
+        </p:blipFill>
+        <p:spPr>
+          <a:xfrm>
+            <a:off x="9004852" y="1"/>
+            <a:ext cx="3125372" cy="842386"/>
           </a:xfrm>
           <a:prstGeom prst="rect">
             <a:avLst/>
@@ -6600,13 +6732,18 @@
         </p:nvSpPr>
         <p:spPr bwMode="auto">
           <a:xfrm>
-            <a:off x="591524" y="4777147"/>
-            <a:ext cx="5146467" cy="923330"/>
+            <a:off x="4191584" y="4228485"/>
+            <a:ext cx="5146467" cy="2492990"/>
           </a:xfrm>
           <a:prstGeom prst="rect">
             <a:avLst/>
           </a:prstGeom>
           <a:noFill/>
+          <a:ln w="28575">
+            <a:solidFill>
+              <a:schemeClr val="accent1"/>
+            </a:solidFill>
+          </a:ln>
         </p:spPr>
         <p:txBody>
           <a:bodyPr wrap="square">
@@ -6712,7 +6849,7 @@
               <a:defRPr/>
             </a:pPr>
             <a:r>
-              <a:rPr lang="en-GB" b="1" dirty="0"/>
+              <a:rPr lang="en-GB" sz="1200" b="1" dirty="0"/>
               <a:t>Code for Lesson CFL10 (CFL10_Simplex_Wireless_LoRa_Receiver.ino)</a:t>
             </a:r>
           </a:p>
@@ -6721,10 +6858,51 @@
               <a:defRPr/>
             </a:pPr>
             <a:r>
-              <a:rPr lang="en-US" b="1" dirty="0"/>
+              <a:rPr lang="en-US" sz="1200" b="1" dirty="0"/>
               <a:t>(CFL10_Simplex_Wireless_LoRa_Transmitter.ino)</a:t>
             </a:r>
-            <a:endParaRPr lang="en-GB" b="1" dirty="0"/>
+          </a:p>
+          <a:p>
+            <a:pPr>
+              <a:defRPr/>
+            </a:pPr>
+            <a:endParaRPr lang="en-US" sz="1200" b="1" dirty="0"/>
+          </a:p>
+          <a:p>
+            <a:pPr>
+              <a:defRPr/>
+            </a:pPr>
+            <a:r>
+              <a:rPr lang="en-GB" sz="1200" b="1" dirty="0">
+                <a:hlinkClick r:id="rId2"/>
+              </a:rPr>
+              <a:t>https://github.com/info-zas/zas-robotics-communications/blob/main/01_FoundationProjects/CFL10_Simplex_Wireless_LoRa/CFL10_Simplex_Wireless_LoRa_Transmitter/CFL10_Simplex_Wireless_LoRa_Transmitter.ino</a:t>
+            </a:r>
+            <a:endParaRPr lang="en-GB" sz="1200" b="1" dirty="0"/>
+          </a:p>
+          <a:p>
+            <a:pPr>
+              <a:defRPr/>
+            </a:pPr>
+            <a:endParaRPr lang="en-GB" sz="1200" b="1" dirty="0"/>
+          </a:p>
+          <a:p>
+            <a:pPr>
+              <a:defRPr/>
+            </a:pPr>
+            <a:r>
+              <a:rPr lang="en-GB" sz="1200" b="1" dirty="0">
+                <a:hlinkClick r:id="rId3"/>
+              </a:rPr>
+              <a:t>https://github.com/info-zas/zas-robotics-communications/blob/main/01_FoundationProjects/CFL10_Simplex_Wireless_LoRa/CFL10_Simplex_Wireless_LoRa_Receiver/CFL10_Simplex_Wireless_LoRa_Receiver.ino</a:t>
+            </a:r>
+            <a:endParaRPr lang="en-GB" sz="1200" b="1" dirty="0"/>
+          </a:p>
+          <a:p>
+            <a:pPr>
+              <a:defRPr/>
+            </a:pPr>
+            <a:endParaRPr lang="en-GB" sz="1200" b="1" dirty="0"/>
           </a:p>
         </p:txBody>
       </p:sp>
@@ -6869,7 +7047,7 @@
         </p:nvSpPr>
         <p:spPr>
           <a:xfrm>
-            <a:off x="6882580" y="1690228"/>
+            <a:off x="6764818" y="1411784"/>
             <a:ext cx="3313472" cy="2677656"/>
           </a:xfrm>
           <a:prstGeom prst="rect">
@@ -7019,7 +7197,7 @@
         </p:nvSpPr>
         <p:spPr>
           <a:xfrm>
-            <a:off x="6773840" y="1360827"/>
+            <a:off x="6764818" y="1105282"/>
             <a:ext cx="2132631" cy="369332"/>
           </a:xfrm>
           <a:prstGeom prst="rect">
@@ -7040,6 +7218,42 @@
           </a:p>
         </p:txBody>
       </p:sp>
+      <p:pic>
+        <p:nvPicPr>
+          <p:cNvPr id="3" name="Picture 2">
+            <a:extLst>
+              <a:ext uri="{FF2B5EF4-FFF2-40B4-BE49-F238E27FC236}">
+                <a16:creationId xmlns:a16="http://schemas.microsoft.com/office/drawing/2014/main" id="{192449C4-E2D4-940D-A65F-A88DBBE8C7B4}"/>
+              </a:ext>
+            </a:extLst>
+          </p:cNvPr>
+          <p:cNvPicPr>
+            <a:picLocks noChangeAspect="1"/>
+          </p:cNvPicPr>
+          <p:nvPr/>
+        </p:nvPicPr>
+        <p:blipFill>
+          <a:blip r:embed="rId4" cstate="print">
+            <a:extLst>
+              <a:ext uri="{28A0092B-C50C-407E-A947-70E740481C1C}">
+                <a14:useLocalDpi xmlns:a14="http://schemas.microsoft.com/office/drawing/2010/main" val="0"/>
+              </a:ext>
+            </a:extLst>
+          </a:blip>
+          <a:stretch>
+            <a:fillRect/>
+          </a:stretch>
+        </p:blipFill>
+        <p:spPr>
+          <a:xfrm>
+            <a:off x="9004852" y="1"/>
+            <a:ext cx="3125372" cy="842386"/>
+          </a:xfrm>
+          <a:prstGeom prst="rect">
+            <a:avLst/>
+          </a:prstGeom>
+        </p:spPr>
+      </p:pic>
     </p:spTree>
     <p:extLst>
       <p:ext uri="{BB962C8B-B14F-4D97-AF65-F5344CB8AC3E}">
@@ -7188,13 +7402,18 @@
         </p:nvSpPr>
         <p:spPr bwMode="auto">
           <a:xfrm>
-            <a:off x="838200" y="5298256"/>
-            <a:ext cx="5146467" cy="923330"/>
+            <a:off x="543232" y="4750516"/>
+            <a:ext cx="5146467" cy="2492990"/>
           </a:xfrm>
           <a:prstGeom prst="rect">
             <a:avLst/>
           </a:prstGeom>
           <a:noFill/>
+          <a:ln>
+            <a:solidFill>
+              <a:schemeClr val="accent1"/>
+            </a:solidFill>
+          </a:ln>
         </p:spPr>
         <p:txBody>
           <a:bodyPr wrap="square">
@@ -7300,15 +7519,15 @@
               <a:defRPr/>
             </a:pPr>
             <a:r>
-              <a:rPr lang="en-GB" b="1" dirty="0"/>
+              <a:rPr lang="en-GB" sz="1200" b="1" dirty="0"/>
               <a:t>Code for Lesson CFL10 (</a:t>
             </a:r>
             <a:r>
-              <a:rPr lang="fr-FR" b="1" dirty="0"/>
+              <a:rPr lang="fr-FR" sz="1200" b="1" dirty="0"/>
               <a:t>CFL10_Simplex_LoRa_DHT_Pollution_Rx</a:t>
             </a:r>
             <a:r>
-              <a:rPr lang="en-GB" b="1" dirty="0"/>
+              <a:rPr lang="en-GB" sz="1200" b="1" dirty="0"/>
               <a:t>.ino)</a:t>
             </a:r>
           </a:p>
@@ -7317,18 +7536,67 @@
               <a:defRPr/>
             </a:pPr>
             <a:r>
-              <a:rPr lang="en-US" b="1" dirty="0"/>
+              <a:rPr lang="en-US" sz="1200" b="1" dirty="0"/>
               <a:t>(</a:t>
             </a:r>
             <a:r>
-              <a:rPr lang="fr-FR" b="1" dirty="0"/>
+              <a:rPr lang="fr-FR" sz="1200" b="1" dirty="0"/>
               <a:t>CFL10_Simplex_LoRa_DHT_Pollution_Tx</a:t>
             </a:r>
             <a:r>
-              <a:rPr lang="en-US" b="1" dirty="0"/>
-              <a:t>.ino)</a:t>
-            </a:r>
-            <a:endParaRPr lang="en-GB" b="1" dirty="0"/>
+              <a:rPr lang="en-US" sz="1200" b="1" dirty="0"/>
+              <a:t>.</a:t>
+            </a:r>
+            <a:r>
+              <a:rPr lang="en-US" sz="1200" b="1" dirty="0" err="1"/>
+              <a:t>ino</a:t>
+            </a:r>
+            <a:r>
+              <a:rPr lang="en-US" sz="1200" b="1" dirty="0"/>
+              <a:t>)</a:t>
+            </a:r>
+          </a:p>
+          <a:p>
+            <a:pPr>
+              <a:defRPr/>
+            </a:pPr>
+            <a:endParaRPr lang="en-US" sz="1200" b="1" dirty="0"/>
+          </a:p>
+          <a:p>
+            <a:pPr>
+              <a:defRPr/>
+            </a:pPr>
+            <a:r>
+              <a:rPr lang="en-GB" sz="1200" b="1" dirty="0">
+                <a:hlinkClick r:id="rId2"/>
+              </a:rPr>
+              <a:t>https://github.com/info-zas/zas-robotics-communications/blob/main/01_FoundationProjects/CFL10_Simplex_Wireless_LoRa/CFL10_Simplex_Wireless_LoRa_Transmitter/CFL10_Simplex_Wireless_LoRa_Transmitter.ino</a:t>
+            </a:r>
+            <a:endParaRPr lang="en-GB" sz="1200" b="1" dirty="0"/>
+          </a:p>
+          <a:p>
+            <a:pPr>
+              <a:defRPr/>
+            </a:pPr>
+            <a:endParaRPr lang="en-GB" sz="1200" b="1" dirty="0"/>
+          </a:p>
+          <a:p>
+            <a:pPr>
+              <a:defRPr/>
+            </a:pPr>
+            <a:r>
+              <a:rPr lang="en-GB" sz="1200" b="1" dirty="0">
+                <a:hlinkClick r:id="rId3"/>
+              </a:rPr>
+              <a:t>https://github.com/info-zas/zas-robotics-communications/blob/main/01_FoundationProjects/CFL10_Simplex_Wireless_LoRa/CFL10_Simplex_Wireless_LoRa_Receiver/CFL10_Simplex_Wireless_LoRa_Receiver.ino</a:t>
+            </a:r>
+            <a:endParaRPr lang="en-GB" sz="1200" b="1" dirty="0"/>
+          </a:p>
+          <a:p>
+            <a:pPr>
+              <a:defRPr/>
+            </a:pPr>
+            <a:endParaRPr lang="en-GB" sz="1200" b="1" dirty="0"/>
           </a:p>
         </p:txBody>
       </p:sp>
@@ -7347,13 +7615,13 @@
           <p:nvPr>
             <p:extLst>
               <p:ext uri="{D42A27DB-BD31-4B8C-83A1-F6EECF244321}">
-                <p14:modId xmlns:p14="http://schemas.microsoft.com/office/powerpoint/2010/main" val="3742165788"/>
+                <p14:modId xmlns:p14="http://schemas.microsoft.com/office/powerpoint/2010/main" val="368148717"/>
               </p:ext>
             </p:extLst>
           </p:nvPr>
         </p:nvGraphicFramePr>
         <p:xfrm>
-          <a:off x="973395" y="1690688"/>
+          <a:off x="838200" y="1430087"/>
           <a:ext cx="2842592" cy="1483360"/>
         </p:xfrm>
         <a:graphic>
@@ -7529,13 +7797,13 @@
           <p:nvPr>
             <p:extLst>
               <p:ext uri="{D42A27DB-BD31-4B8C-83A1-F6EECF244321}">
-                <p14:modId xmlns:p14="http://schemas.microsoft.com/office/powerpoint/2010/main" val="942569503"/>
+                <p14:modId xmlns:p14="http://schemas.microsoft.com/office/powerpoint/2010/main" val="2999010893"/>
               </p:ext>
             </p:extLst>
           </p:nvPr>
         </p:nvGraphicFramePr>
         <p:xfrm>
-          <a:off x="973395" y="3464515"/>
+          <a:off x="838200" y="3035921"/>
           <a:ext cx="2842592" cy="1483360"/>
         </p:xfrm>
         <a:graphic>
@@ -7711,7 +7979,7 @@
           <p:nvPr/>
         </p:nvPicPr>
         <p:blipFill>
-          <a:blip r:embed="rId2">
+          <a:blip r:embed="rId4">
             <a:extLst>
               <a:ext uri="{28A0092B-C50C-407E-A947-70E740481C1C}">
                 <a14:useLocalDpi xmlns:a14="http://schemas.microsoft.com/office/drawing/2010/main" val="0"/>
@@ -7726,6 +7994,42 @@
           <a:xfrm>
             <a:off x="4249290" y="1582994"/>
             <a:ext cx="7569084" cy="3978500"/>
+          </a:xfrm>
+          <a:prstGeom prst="rect">
+            <a:avLst/>
+          </a:prstGeom>
+        </p:spPr>
+      </p:pic>
+      <p:pic>
+        <p:nvPicPr>
+          <p:cNvPr id="3" name="Picture 2">
+            <a:extLst>
+              <a:ext uri="{FF2B5EF4-FFF2-40B4-BE49-F238E27FC236}">
+                <a16:creationId xmlns:a16="http://schemas.microsoft.com/office/drawing/2014/main" id="{01A20D9F-C512-8938-60DF-DF0B4E5FE332}"/>
+              </a:ext>
+            </a:extLst>
+          </p:cNvPr>
+          <p:cNvPicPr>
+            <a:picLocks noChangeAspect="1"/>
+          </p:cNvPicPr>
+          <p:nvPr/>
+        </p:nvPicPr>
+        <p:blipFill>
+          <a:blip r:embed="rId5" cstate="print">
+            <a:extLst>
+              <a:ext uri="{28A0092B-C50C-407E-A947-70E740481C1C}">
+                <a14:useLocalDpi xmlns:a14="http://schemas.microsoft.com/office/drawing/2010/main" val="0"/>
+              </a:ext>
+            </a:extLst>
+          </a:blip>
+          <a:stretch>
+            <a:fillRect/>
+          </a:stretch>
+        </p:blipFill>
+        <p:spPr>
+          <a:xfrm>
+            <a:off x="9004852" y="1"/>
+            <a:ext cx="3125372" cy="842386"/>
           </a:xfrm>
           <a:prstGeom prst="rect">
             <a:avLst/>
